--- a/Python for Data Science _ Python Introduction.pptx
+++ b/Python for Data Science _ Python Introduction.pptx
@@ -727,6 +727,251 @@
 </p:notesMaster>
 </file>
 
+<file path=ppt/notesSlides/notesSlide1.xml><?xml version="1.0" encoding="utf-8"?>
+<p:notes xmlns:a="http://schemas.openxmlformats.org/drawingml/2006/main" xmlns:r="http://schemas.openxmlformats.org/officeDocument/2006/relationships" xmlns:p="http://schemas.openxmlformats.org/presentationml/2006/main">
+  <p:cSld>
+    <p:spTree>
+      <p:nvGrpSpPr>
+        <p:cNvPr id="1" name=""/>
+        <p:cNvGrpSpPr/>
+        <p:nvPr/>
+      </p:nvGrpSpPr>
+      <p:grpSpPr>
+        <a:xfrm>
+          <a:off x="0" y="0"/>
+          <a:ext cx="0" cy="0"/>
+          <a:chOff x="0" y="0"/>
+          <a:chExt cx="0" cy="0"/>
+        </a:xfrm>
+      </p:grpSpPr>
+      <p:sp>
+        <p:nvSpPr>
+          <p:cNvPr id="2" name="Slide Image Placeholder 1"/>
+          <p:cNvSpPr>
+            <a:spLocks noGrp="1" noRot="1" noChangeAspect="1"/>
+          </p:cNvSpPr>
+          <p:nvPr>
+            <p:ph type="sldImg"/>
+          </p:nvPr>
+        </p:nvSpPr>
+        <p:spPr>
+          <a:xfrm>
+            <a:off x="381000" y="685800"/>
+            <a:ext cx="6096000" cy="3429000"/>
+          </a:xfrm>
+        </p:spPr>
+      </p:sp>
+      <p:sp>
+        <p:nvSpPr>
+          <p:cNvPr id="3" name="Notes Placeholder 2"/>
+          <p:cNvSpPr>
+            <a:spLocks noGrp="1"/>
+          </p:cNvSpPr>
+          <p:nvPr>
+            <p:ph type="body" idx="1"/>
+          </p:nvPr>
+        </p:nvSpPr>
+        <p:spPr/>
+        <p:txBody>
+          <a:bodyPr/>
+          <a:lstStyle/>
+          <a:p>
+            <a:r>
+              <a:rPr lang="fr-FR" dirty="0"/>
+              <a:t>Python </a:t>
+            </a:r>
+            <a:r>
+              <a:rPr lang="fr-FR" dirty="0" err="1"/>
+              <a:t>was</a:t>
+            </a:r>
+            <a:r>
+              <a:rPr lang="fr-FR" dirty="0"/>
+              <a:t> </a:t>
+            </a:r>
+            <a:r>
+              <a:rPr lang="fr-FR" dirty="0" err="1"/>
+              <a:t>created</a:t>
+            </a:r>
+            <a:r>
+              <a:rPr lang="fr-FR" dirty="0"/>
+              <a:t> to </a:t>
+            </a:r>
+            <a:r>
+              <a:rPr lang="fr-FR" dirty="0" err="1"/>
+              <a:t>increase</a:t>
+            </a:r>
+            <a:r>
+              <a:rPr lang="fr-FR" dirty="0"/>
+              <a:t> the </a:t>
+            </a:r>
+            <a:r>
+              <a:rPr lang="fr-FR" dirty="0" err="1"/>
+              <a:t>creativity</a:t>
+            </a:r>
+            <a:r>
+              <a:rPr lang="fr-FR" dirty="0"/>
+              <a:t> of </a:t>
+            </a:r>
+            <a:r>
+              <a:rPr lang="fr-FR" dirty="0" err="1"/>
+              <a:t>programmers</a:t>
+            </a:r>
+            <a:r>
+              <a:rPr lang="fr-FR" dirty="0"/>
+              <a:t> </a:t>
+            </a:r>
+          </a:p>
+          <a:p>
+            <a:r>
+              <a:rPr lang="fr-FR" dirty="0"/>
+              <a:t>Flexible and </a:t>
+            </a:r>
+            <a:r>
+              <a:rPr lang="fr-FR" dirty="0" err="1"/>
+              <a:t>clear</a:t>
+            </a:r>
+            <a:endParaRPr lang="fr-FR" dirty="0"/>
+          </a:p>
+          <a:p>
+            <a:r>
+              <a:rPr lang="fr-FR" dirty="0"/>
+              <a:t>And to </a:t>
+            </a:r>
+            <a:r>
+              <a:rPr lang="fr-FR" dirty="0" err="1"/>
+              <a:t>make</a:t>
+            </a:r>
+            <a:r>
+              <a:rPr lang="fr-FR" dirty="0"/>
+              <a:t> </a:t>
+            </a:r>
+            <a:r>
+              <a:rPr lang="fr-FR" dirty="0" err="1"/>
+              <a:t>programming</a:t>
+            </a:r>
+            <a:r>
+              <a:rPr lang="fr-FR" dirty="0"/>
+              <a:t> </a:t>
+            </a:r>
+            <a:r>
+              <a:rPr lang="fr-FR" dirty="0" err="1"/>
+              <a:t>easier</a:t>
+            </a:r>
+            <a:r>
+              <a:rPr lang="fr-FR" dirty="0"/>
+              <a:t> for </a:t>
+            </a:r>
+            <a:r>
+              <a:rPr lang="fr-FR" dirty="0" err="1"/>
+              <a:t>those</a:t>
+            </a:r>
+            <a:r>
+              <a:rPr lang="fr-FR" dirty="0"/>
+              <a:t> </a:t>
+            </a:r>
+            <a:r>
+              <a:rPr lang="fr-FR" dirty="0" err="1"/>
+              <a:t>who</a:t>
+            </a:r>
+            <a:r>
+              <a:rPr lang="fr-FR" dirty="0"/>
+              <a:t> are not </a:t>
+            </a:r>
+            <a:r>
+              <a:rPr lang="fr-FR" dirty="0" err="1"/>
+              <a:t>from</a:t>
+            </a:r>
+            <a:r>
+              <a:rPr lang="fr-FR" dirty="0"/>
+              <a:t> CS </a:t>
+            </a:r>
+            <a:r>
+              <a:rPr lang="fr-FR" dirty="0" err="1"/>
+              <a:t>bckg</a:t>
+            </a:r>
+            <a:endParaRPr lang="fr-FR" dirty="0"/>
+          </a:p>
+        </p:txBody>
+      </p:sp>
+    </p:spTree>
+    <p:extLst>
+      <p:ext uri="{BB962C8B-B14F-4D97-AF65-F5344CB8AC3E}">
+        <p14:creationId xmlns:p14="http://schemas.microsoft.com/office/powerpoint/2010/main" val="1284279921"/>
+      </p:ext>
+    </p:extLst>
+  </p:cSld>
+  <p:clrMapOvr>
+    <a:masterClrMapping/>
+  </p:clrMapOvr>
+</p:notes>
+</file>
+
+<file path=ppt/notesSlides/notesSlide2.xml><?xml version="1.0" encoding="utf-8"?>
+<p:notes xmlns:a="http://schemas.openxmlformats.org/drawingml/2006/main" xmlns:r="http://schemas.openxmlformats.org/officeDocument/2006/relationships" xmlns:p="http://schemas.openxmlformats.org/presentationml/2006/main">
+  <p:cSld>
+    <p:spTree>
+      <p:nvGrpSpPr>
+        <p:cNvPr id="1" name=""/>
+        <p:cNvGrpSpPr/>
+        <p:nvPr/>
+      </p:nvGrpSpPr>
+      <p:grpSpPr>
+        <a:xfrm>
+          <a:off x="0" y="0"/>
+          <a:ext cx="0" cy="0"/>
+          <a:chOff x="0" y="0"/>
+          <a:chExt cx="0" cy="0"/>
+        </a:xfrm>
+      </p:grpSpPr>
+      <p:sp>
+        <p:nvSpPr>
+          <p:cNvPr id="2" name="Slide Image Placeholder 1"/>
+          <p:cNvSpPr>
+            <a:spLocks noGrp="1" noRot="1" noChangeAspect="1"/>
+          </p:cNvSpPr>
+          <p:nvPr>
+            <p:ph type="sldImg"/>
+          </p:nvPr>
+        </p:nvSpPr>
+        <p:spPr>
+          <a:xfrm>
+            <a:off x="381000" y="685800"/>
+            <a:ext cx="6096000" cy="3429000"/>
+          </a:xfrm>
+        </p:spPr>
+      </p:sp>
+      <p:sp>
+        <p:nvSpPr>
+          <p:cNvPr id="3" name="Notes Placeholder 2"/>
+          <p:cNvSpPr>
+            <a:spLocks noGrp="1"/>
+          </p:cNvSpPr>
+          <p:nvPr>
+            <p:ph type="body" idx="1"/>
+          </p:nvPr>
+        </p:nvSpPr>
+        <p:spPr/>
+        <p:txBody>
+          <a:bodyPr/>
+          <a:lstStyle/>
+          <a:p>
+            <a:endParaRPr lang="fr-FR" dirty="0"/>
+          </a:p>
+        </p:txBody>
+      </p:sp>
+    </p:spTree>
+    <p:extLst>
+      <p:ext uri="{BB962C8B-B14F-4D97-AF65-F5344CB8AC3E}">
+        <p14:creationId xmlns:p14="http://schemas.microsoft.com/office/powerpoint/2010/main" val="1524942400"/>
+      </p:ext>
+    </p:extLst>
+  </p:cSld>
+  <p:clrMapOvr>
+    <a:masterClrMapping/>
+  </p:clrMapOvr>
+</p:notes>
+</file>
+
 <file path=ppt/slideLayouts/slideLayout1.xml><?xml version="1.0" encoding="utf-8"?>
 <p:sldLayout xmlns:a="http://schemas.openxmlformats.org/drawingml/2006/main" xmlns:r="http://schemas.openxmlformats.org/officeDocument/2006/relationships" xmlns:p="http://schemas.openxmlformats.org/presentationml/2006/main" matchingName="Title slide" type="title">
   <p:cSld name="TITLE">
@@ -2876,7 +3121,7 @@
           <a:p>
             <a:fld id="{F4FF5F66-A46B-42C7-973F-41E2F010D167}" type="datetimeFigureOut">
               <a:rPr lang="fr-FR" smtClean="0"/>
-              <a:t>19/09/2025</a:t>
+              <a:t>20/09/2025</a:t>
             </a:fld>
             <a:endParaRPr lang="fr-FR"/>
           </a:p>
@@ -6815,7 +7060,7 @@
           <p:nvPr/>
         </p:nvPicPr>
         <p:blipFill>
-          <a:blip r:embed="rId2">
+          <a:blip r:embed="rId3">
             <a:extLst>
               <a:ext uri="{28A0092B-C50C-407E-A947-70E740481C1C}">
                 <a14:useLocalDpi xmlns:a14="http://schemas.microsoft.com/office/drawing/2010/main" val="0"/>
@@ -6990,6 +7235,21 @@
               <a:buFont typeface="+mj-lt"/>
               <a:buAutoNum type="arabicPeriod"/>
             </a:pPr>
+            <a:r>
+              <a:rPr lang="fr-FR" dirty="0"/>
+              <a:t>Open-</a:t>
+            </a:r>
+            <a:r>
+              <a:rPr lang="fr-FR" dirty="0" err="1"/>
+              <a:t>sourced</a:t>
+            </a:r>
+            <a:endParaRPr lang="fr-FR" dirty="0"/>
+          </a:p>
+          <a:p>
+            <a:pPr marL="385763" indent="-385763">
+              <a:buFont typeface="+mj-lt"/>
+              <a:buAutoNum type="arabicPeriod"/>
+            </a:pPr>
             <a:endParaRPr lang="en-US" dirty="0"/>
           </a:p>
         </p:txBody>
@@ -7009,7 +7269,7 @@
           <p:nvPr/>
         </p:nvPicPr>
         <p:blipFill>
-          <a:blip r:embed="rId2"/>
+          <a:blip r:embed="rId3"/>
           <a:srcRect l="4292" t="11102"/>
           <a:stretch>
             <a:fillRect/>
@@ -7521,7 +7781,7 @@
         </p:blipFill>
         <p:spPr>
           <a:xfrm>
-            <a:off x="4572000" y="319995"/>
+            <a:off x="4900945" y="319994"/>
             <a:ext cx="3025301" cy="4031890"/>
           </a:xfrm>
           <a:prstGeom prst="rect">
@@ -7552,7 +7812,7 @@
         </p:blipFill>
         <p:spPr>
           <a:xfrm>
-            <a:off x="4572000" y="4351884"/>
+            <a:off x="4900945" y="4322987"/>
             <a:ext cx="3025301" cy="619470"/>
           </a:xfrm>
           <a:prstGeom prst="rect">
